--- a/frontend/notes.pptx
+++ b/frontend/notes.pptx
@@ -125,6 +125,13 @@
     <p:sldId id="372" r:id="rId119"/>
     <p:sldId id="373" r:id="rId120"/>
     <p:sldId id="375" r:id="rId121"/>
+    <p:sldId id="376" r:id="rId122"/>
+    <p:sldId id="377" r:id="rId123"/>
+    <p:sldId id="378" r:id="rId124"/>
+    <p:sldId id="379" r:id="rId125"/>
+    <p:sldId id="380" r:id="rId126"/>
+    <p:sldId id="381" r:id="rId127"/>
+    <p:sldId id="382" r:id="rId128"/>
   </p:sldIdLst>
   <p:sldSz cx="12192000" cy="6858000"/>
   <p:notesSz cx="6858000" cy="9144000"/>
@@ -378,7 +385,7 @@
           <a:p>
             <a:fld id="{1EAD71A1-6ECA-4734-A5ED-11B90CF0DBBC}" type="datetimeFigureOut">
               <a:rPr lang="en-US" smtClean="0"/>
-              <a:t>10/22/2022</a:t>
+              <a:t>11/5/2022</a:t>
             </a:fld>
             <a:endParaRPr lang="en-US"/>
           </a:p>
@@ -576,7 +583,7 @@
           <a:p>
             <a:fld id="{1EAD71A1-6ECA-4734-A5ED-11B90CF0DBBC}" type="datetimeFigureOut">
               <a:rPr lang="en-US" smtClean="0"/>
-              <a:t>10/22/2022</a:t>
+              <a:t>11/5/2022</a:t>
             </a:fld>
             <a:endParaRPr lang="en-US"/>
           </a:p>
@@ -784,7 +791,7 @@
           <a:p>
             <a:fld id="{1EAD71A1-6ECA-4734-A5ED-11B90CF0DBBC}" type="datetimeFigureOut">
               <a:rPr lang="en-US" smtClean="0"/>
-              <a:t>10/22/2022</a:t>
+              <a:t>11/5/2022</a:t>
             </a:fld>
             <a:endParaRPr lang="en-US"/>
           </a:p>
@@ -982,7 +989,7 @@
           <a:p>
             <a:fld id="{1EAD71A1-6ECA-4734-A5ED-11B90CF0DBBC}" type="datetimeFigureOut">
               <a:rPr lang="en-US" smtClean="0"/>
-              <a:t>10/22/2022</a:t>
+              <a:t>11/5/2022</a:t>
             </a:fld>
             <a:endParaRPr lang="en-US"/>
           </a:p>
@@ -1257,7 +1264,7 @@
           <a:p>
             <a:fld id="{1EAD71A1-6ECA-4734-A5ED-11B90CF0DBBC}" type="datetimeFigureOut">
               <a:rPr lang="en-US" smtClean="0"/>
-              <a:t>10/22/2022</a:t>
+              <a:t>11/5/2022</a:t>
             </a:fld>
             <a:endParaRPr lang="en-US"/>
           </a:p>
@@ -1522,7 +1529,7 @@
           <a:p>
             <a:fld id="{1EAD71A1-6ECA-4734-A5ED-11B90CF0DBBC}" type="datetimeFigureOut">
               <a:rPr lang="en-US" smtClean="0"/>
-              <a:t>10/22/2022</a:t>
+              <a:t>11/5/2022</a:t>
             </a:fld>
             <a:endParaRPr lang="en-US"/>
           </a:p>
@@ -1934,7 +1941,7 @@
           <a:p>
             <a:fld id="{1EAD71A1-6ECA-4734-A5ED-11B90CF0DBBC}" type="datetimeFigureOut">
               <a:rPr lang="en-US" smtClean="0"/>
-              <a:t>10/22/2022</a:t>
+              <a:t>11/5/2022</a:t>
             </a:fld>
             <a:endParaRPr lang="en-US"/>
           </a:p>
@@ -2075,7 +2082,7 @@
           <a:p>
             <a:fld id="{1EAD71A1-6ECA-4734-A5ED-11B90CF0DBBC}" type="datetimeFigureOut">
               <a:rPr lang="en-US" smtClean="0"/>
-              <a:t>10/22/2022</a:t>
+              <a:t>11/5/2022</a:t>
             </a:fld>
             <a:endParaRPr lang="en-US"/>
           </a:p>
@@ -2188,7 +2195,7 @@
           <a:p>
             <a:fld id="{1EAD71A1-6ECA-4734-A5ED-11B90CF0DBBC}" type="datetimeFigureOut">
               <a:rPr lang="en-US" smtClean="0"/>
-              <a:t>10/22/2022</a:t>
+              <a:t>11/5/2022</a:t>
             </a:fld>
             <a:endParaRPr lang="en-US"/>
           </a:p>
@@ -2499,7 +2506,7 @@
           <a:p>
             <a:fld id="{1EAD71A1-6ECA-4734-A5ED-11B90CF0DBBC}" type="datetimeFigureOut">
               <a:rPr lang="en-US" smtClean="0"/>
-              <a:t>10/22/2022</a:t>
+              <a:t>11/5/2022</a:t>
             </a:fld>
             <a:endParaRPr lang="en-US"/>
           </a:p>
@@ -2787,7 +2794,7 @@
           <a:p>
             <a:fld id="{1EAD71A1-6ECA-4734-A5ED-11B90CF0DBBC}" type="datetimeFigureOut">
               <a:rPr lang="en-US" smtClean="0"/>
-              <a:t>10/22/2022</a:t>
+              <a:t>11/5/2022</a:t>
             </a:fld>
             <a:endParaRPr lang="en-US"/>
           </a:p>
@@ -3028,7 +3035,7 @@
           <a:p>
             <a:fld id="{1EAD71A1-6ECA-4734-A5ED-11B90CF0DBBC}" type="datetimeFigureOut">
               <a:rPr lang="en-US" smtClean="0"/>
-              <a:t>10/22/2022</a:t>
+              <a:t>11/5/2022</a:t>
             </a:fld>
             <a:endParaRPr lang="en-US"/>
           </a:p>
@@ -11688,6 +11695,1319 @@
     <p:extLst>
       <p:ext uri="{BB962C8B-B14F-4D97-AF65-F5344CB8AC3E}">
         <p14:creationId xmlns:p14="http://schemas.microsoft.com/office/powerpoint/2010/main" val="335116959"/>
+      </p:ext>
+    </p:extLst>
+  </p:cSld>
+  <p:clrMapOvr>
+    <a:masterClrMapping/>
+  </p:clrMapOvr>
+</p:sld>
+</file>
+
+<file path=ppt/slides/slide121.xml><?xml version="1.0" encoding="utf-8"?>
+<p:sld xmlns:a="http://schemas.openxmlformats.org/drawingml/2006/main" xmlns:r="http://schemas.openxmlformats.org/officeDocument/2006/relationships" xmlns:p="http://schemas.openxmlformats.org/presentationml/2006/main">
+  <p:cSld>
+    <p:spTree>
+      <p:nvGrpSpPr>
+        <p:cNvPr id="1" name=""/>
+        <p:cNvGrpSpPr/>
+        <p:nvPr/>
+      </p:nvGrpSpPr>
+      <p:grpSpPr>
+        <a:xfrm>
+          <a:off x="0" y="0"/>
+          <a:ext cx="0" cy="0"/>
+          <a:chOff x="0" y="0"/>
+          <a:chExt cx="0" cy="0"/>
+        </a:xfrm>
+      </p:grpSpPr>
+      <p:sp>
+        <p:nvSpPr>
+          <p:cNvPr id="2" name="Title 1">
+            <a:extLst>
+              <a:ext uri="{FF2B5EF4-FFF2-40B4-BE49-F238E27FC236}">
+                <a16:creationId xmlns:a16="http://schemas.microsoft.com/office/drawing/2014/main" id="{5BF793BC-C99E-B25F-DD06-4449B0BEE841}"/>
+              </a:ext>
+            </a:extLst>
+          </p:cNvPr>
+          <p:cNvSpPr>
+            <a:spLocks noGrp="1"/>
+          </p:cNvSpPr>
+          <p:nvPr>
+            <p:ph type="title"/>
+          </p:nvPr>
+        </p:nvSpPr>
+        <p:spPr/>
+        <p:txBody>
+          <a:bodyPr/>
+          <a:lstStyle/>
+          <a:p>
+            <a:r>
+              <a:rPr lang="en-US" dirty="0"/>
+              <a:t>DOM(Document Object Model)</a:t>
+            </a:r>
+          </a:p>
+        </p:txBody>
+      </p:sp>
+      <p:sp>
+        <p:nvSpPr>
+          <p:cNvPr id="3" name="Content Placeholder 2">
+            <a:extLst>
+              <a:ext uri="{FF2B5EF4-FFF2-40B4-BE49-F238E27FC236}">
+                <a16:creationId xmlns:a16="http://schemas.microsoft.com/office/drawing/2014/main" id="{7FE6DC09-5CAA-9103-C872-BC53C50556A9}"/>
+              </a:ext>
+            </a:extLst>
+          </p:cNvPr>
+          <p:cNvSpPr>
+            <a:spLocks noGrp="1"/>
+          </p:cNvSpPr>
+          <p:nvPr>
+            <p:ph idx="1"/>
+          </p:nvPr>
+        </p:nvSpPr>
+        <p:spPr/>
+        <p:txBody>
+          <a:bodyPr>
+            <a:normAutofit fontScale="92500" lnSpcReduction="10000"/>
+          </a:bodyPr>
+          <a:lstStyle/>
+          <a:p>
+            <a:r>
+              <a:rPr lang="en-US" b="0" i="0" dirty="0">
+                <a:solidFill>
+                  <a:srgbClr val="292929"/>
+                </a:solidFill>
+                <a:effectLst/>
+                <a:latin typeface="sohne"/>
+              </a:rPr>
+              <a:t>The DOM stores and creates the objects of the elements on the HTML page. Each element is represented by a DOM node. Nodes are created, updated &amp; accessible to JavaScript.</a:t>
+            </a:r>
+          </a:p>
+          <a:p>
+            <a:r>
+              <a:rPr lang="en-US" dirty="0"/>
+              <a:t>Accessing HTML Elements</a:t>
+            </a:r>
+          </a:p>
+          <a:p>
+            <a:r>
+              <a:rPr lang="en-US" dirty="0" err="1"/>
+              <a:t>document.getElementById</a:t>
+            </a:r>
+            <a:r>
+              <a:rPr lang="en-US" dirty="0"/>
+              <a:t>('id')</a:t>
+            </a:r>
+          </a:p>
+          <a:p>
+            <a:r>
+              <a:rPr lang="en-US" dirty="0"/>
+              <a:t>// Find an element by id</a:t>
+            </a:r>
+          </a:p>
+          <a:p>
+            <a:r>
+              <a:rPr lang="en-US" dirty="0" err="1"/>
+              <a:t>document.getElementsByClassName</a:t>
+            </a:r>
+            <a:r>
+              <a:rPr lang="en-US" dirty="0"/>
+              <a:t>('name')</a:t>
+            </a:r>
+          </a:p>
+          <a:p>
+            <a:r>
+              <a:rPr lang="en-US" dirty="0"/>
+              <a:t>// Find elements by class name</a:t>
+            </a:r>
+          </a:p>
+          <a:p>
+            <a:r>
+              <a:rPr lang="en-US" dirty="0" err="1"/>
+              <a:t>document.querySelectorAll</a:t>
+            </a:r>
+            <a:r>
+              <a:rPr lang="en-US" dirty="0"/>
+              <a:t>('span')</a:t>
+            </a:r>
+          </a:p>
+          <a:p>
+            <a:r>
+              <a:rPr lang="en-US" dirty="0"/>
+              <a:t>// Find all elements by node selector</a:t>
+            </a:r>
+          </a:p>
+        </p:txBody>
+      </p:sp>
+    </p:spTree>
+    <p:extLst>
+      <p:ext uri="{BB962C8B-B14F-4D97-AF65-F5344CB8AC3E}">
+        <p14:creationId xmlns:p14="http://schemas.microsoft.com/office/powerpoint/2010/main" val="431719621"/>
+      </p:ext>
+    </p:extLst>
+  </p:cSld>
+  <p:clrMapOvr>
+    <a:masterClrMapping/>
+  </p:clrMapOvr>
+</p:sld>
+</file>
+
+<file path=ppt/slides/slide122.xml><?xml version="1.0" encoding="utf-8"?>
+<p:sld xmlns:a="http://schemas.openxmlformats.org/drawingml/2006/main" xmlns:r="http://schemas.openxmlformats.org/officeDocument/2006/relationships" xmlns:p="http://schemas.openxmlformats.org/presentationml/2006/main">
+  <p:cSld>
+    <p:spTree>
+      <p:nvGrpSpPr>
+        <p:cNvPr id="1" name=""/>
+        <p:cNvGrpSpPr/>
+        <p:nvPr/>
+      </p:nvGrpSpPr>
+      <p:grpSpPr>
+        <a:xfrm>
+          <a:off x="0" y="0"/>
+          <a:ext cx="0" cy="0"/>
+          <a:chOff x="0" y="0"/>
+          <a:chExt cx="0" cy="0"/>
+        </a:xfrm>
+      </p:grpSpPr>
+      <p:sp>
+        <p:nvSpPr>
+          <p:cNvPr id="3" name="Content Placeholder 2">
+            <a:extLst>
+              <a:ext uri="{FF2B5EF4-FFF2-40B4-BE49-F238E27FC236}">
+                <a16:creationId xmlns:a16="http://schemas.microsoft.com/office/drawing/2014/main" id="{10B25697-B962-7339-D367-3E9659F069BC}"/>
+              </a:ext>
+            </a:extLst>
+          </p:cNvPr>
+          <p:cNvSpPr>
+            <a:spLocks noGrp="1"/>
+          </p:cNvSpPr>
+          <p:nvPr>
+            <p:ph idx="1"/>
+          </p:nvPr>
+        </p:nvSpPr>
+        <p:spPr>
+          <a:xfrm>
+            <a:off x="838200" y="188536"/>
+            <a:ext cx="10515600" cy="5988427"/>
+          </a:xfrm>
+        </p:spPr>
+        <p:txBody>
+          <a:bodyPr>
+            <a:normAutofit/>
+          </a:bodyPr>
+          <a:lstStyle/>
+          <a:p>
+            <a:pPr marL="0" indent="0">
+              <a:buNone/>
+            </a:pPr>
+            <a:r>
+              <a:rPr lang="en-US" dirty="0"/>
+              <a:t>&lt;html&gt; --&gt; </a:t>
+            </a:r>
+            <a:r>
+              <a:rPr lang="en-US" dirty="0" err="1"/>
+              <a:t>parentNode</a:t>
+            </a:r>
+            <a:r>
+              <a:rPr lang="en-US" dirty="0"/>
+              <a:t> of &lt;head&gt;</a:t>
+            </a:r>
+          </a:p>
+          <a:p>
+            <a:pPr marL="0" indent="0">
+              <a:buNone/>
+            </a:pPr>
+            <a:r>
+              <a:rPr lang="en-US" dirty="0"/>
+              <a:t>  &lt;head&gt; --&gt; </a:t>
+            </a:r>
+            <a:r>
+              <a:rPr lang="en-US" dirty="0" err="1"/>
+              <a:t>firstChild</a:t>
+            </a:r>
+            <a:r>
+              <a:rPr lang="en-US" dirty="0"/>
+              <a:t> of &lt;html&gt;</a:t>
+            </a:r>
+          </a:p>
+          <a:p>
+            <a:pPr marL="0" indent="0">
+              <a:buNone/>
+            </a:pPr>
+            <a:r>
+              <a:rPr lang="en-US" dirty="0"/>
+              <a:t>    &lt;title&gt;DOM Cheat Sheet&lt;/title&gt; --&gt; child of &lt;head&gt;</a:t>
+            </a:r>
+          </a:p>
+          <a:p>
+            <a:pPr marL="0" indent="0">
+              <a:buNone/>
+            </a:pPr>
+            <a:r>
+              <a:rPr lang="en-US" dirty="0"/>
+              <a:t>  &lt;/head&gt; </a:t>
+            </a:r>
+          </a:p>
+          <a:p>
+            <a:pPr marL="0" indent="0">
+              <a:buNone/>
+            </a:pPr>
+            <a:r>
+              <a:rPr lang="en-US" dirty="0"/>
+              <a:t>  &lt;body&gt; --&gt; </a:t>
+            </a:r>
+            <a:r>
+              <a:rPr lang="en-US" dirty="0" err="1"/>
+              <a:t>lastChild</a:t>
+            </a:r>
+            <a:r>
+              <a:rPr lang="en-US" dirty="0"/>
+              <a:t> of &lt;html&gt;</a:t>
+            </a:r>
+          </a:p>
+          <a:p>
+            <a:pPr marL="0" indent="0">
+              <a:buNone/>
+            </a:pPr>
+            <a:r>
+              <a:rPr lang="en-US" dirty="0"/>
+              <a:t>    &lt;h1&gt;Hello World!&lt;/h1&gt; --&gt; first child of &lt;body&gt;</a:t>
+            </a:r>
+          </a:p>
+          <a:p>
+            <a:pPr marL="0" indent="0">
+              <a:buNone/>
+            </a:pPr>
+            <a:r>
+              <a:rPr lang="en-US" dirty="0"/>
+              <a:t>    &lt;p&gt;JavaScript is cool.&lt;/p&gt; --&gt; last child of &lt;body&gt;</a:t>
+            </a:r>
+          </a:p>
+          <a:p>
+            <a:pPr marL="0" indent="0">
+              <a:buNone/>
+            </a:pPr>
+            <a:r>
+              <a:rPr lang="en-US" dirty="0"/>
+              <a:t>                                    &lt;h1&gt; &amp; &lt;p&gt; are siblings</a:t>
+            </a:r>
+          </a:p>
+          <a:p>
+            <a:pPr marL="0" indent="0">
+              <a:buNone/>
+            </a:pPr>
+            <a:r>
+              <a:rPr lang="en-US" dirty="0"/>
+              <a:t>  &lt;/body&gt; --&gt; &lt;head&gt; &amp; &lt;/body&gt; are siblings</a:t>
+            </a:r>
+          </a:p>
+          <a:p>
+            <a:pPr marL="0" indent="0">
+              <a:buNone/>
+            </a:pPr>
+            <a:endParaRPr lang="en-US" dirty="0"/>
+          </a:p>
+          <a:p>
+            <a:pPr marL="0" indent="0">
+              <a:buNone/>
+            </a:pPr>
+            <a:r>
+              <a:rPr lang="en-US" dirty="0"/>
+              <a:t>&lt;/html&gt;</a:t>
+            </a:r>
+          </a:p>
+        </p:txBody>
+      </p:sp>
+    </p:spTree>
+    <p:extLst>
+      <p:ext uri="{BB962C8B-B14F-4D97-AF65-F5344CB8AC3E}">
+        <p14:creationId xmlns:p14="http://schemas.microsoft.com/office/powerpoint/2010/main" val="211786943"/>
+      </p:ext>
+    </p:extLst>
+  </p:cSld>
+  <p:clrMapOvr>
+    <a:masterClrMapping/>
+  </p:clrMapOvr>
+</p:sld>
+</file>
+
+<file path=ppt/slides/slide123.xml><?xml version="1.0" encoding="utf-8"?>
+<p:sld xmlns:a="http://schemas.openxmlformats.org/drawingml/2006/main" xmlns:r="http://schemas.openxmlformats.org/officeDocument/2006/relationships" xmlns:p="http://schemas.openxmlformats.org/presentationml/2006/main">
+  <p:cSld>
+    <p:spTree>
+      <p:nvGrpSpPr>
+        <p:cNvPr id="1" name=""/>
+        <p:cNvGrpSpPr/>
+        <p:nvPr/>
+      </p:nvGrpSpPr>
+      <p:grpSpPr>
+        <a:xfrm>
+          <a:off x="0" y="0"/>
+          <a:ext cx="0" cy="0"/>
+          <a:chOff x="0" y="0"/>
+          <a:chExt cx="0" cy="0"/>
+        </a:xfrm>
+      </p:grpSpPr>
+      <p:sp>
+        <p:nvSpPr>
+          <p:cNvPr id="3" name="Content Placeholder 2">
+            <a:extLst>
+              <a:ext uri="{FF2B5EF4-FFF2-40B4-BE49-F238E27FC236}">
+                <a16:creationId xmlns:a16="http://schemas.microsoft.com/office/drawing/2014/main" id="{5DB6C357-FC61-A56B-9973-2E977FCA2E8A}"/>
+              </a:ext>
+            </a:extLst>
+          </p:cNvPr>
+          <p:cNvSpPr>
+            <a:spLocks noGrp="1"/>
+          </p:cNvSpPr>
+          <p:nvPr>
+            <p:ph idx="1"/>
+          </p:nvPr>
+        </p:nvSpPr>
+        <p:spPr>
+          <a:xfrm>
+            <a:off x="838200" y="263950"/>
+            <a:ext cx="10515600" cy="6594049"/>
+          </a:xfrm>
+        </p:spPr>
+        <p:txBody>
+          <a:bodyPr>
+            <a:normAutofit fontScale="62500" lnSpcReduction="20000"/>
+          </a:bodyPr>
+          <a:lstStyle/>
+          <a:p>
+            <a:pPr marL="0" indent="0">
+              <a:buNone/>
+            </a:pPr>
+            <a:r>
+              <a:rPr lang="en-US" dirty="0"/>
+              <a:t>.</a:t>
+            </a:r>
+            <a:r>
+              <a:rPr lang="en-US" dirty="0" err="1"/>
+              <a:t>parentNode</a:t>
+            </a:r>
+            <a:endParaRPr lang="en-US" dirty="0"/>
+          </a:p>
+          <a:p>
+            <a:pPr marL="0" indent="0">
+              <a:buNone/>
+            </a:pPr>
+            <a:r>
+              <a:rPr lang="en-US" dirty="0"/>
+              <a:t>// Locates the parent element of an initial selection</a:t>
+            </a:r>
+          </a:p>
+          <a:p>
+            <a:pPr marL="0" indent="0">
+              <a:buNone/>
+            </a:pPr>
+            <a:r>
+              <a:rPr lang="en-US" dirty="0" err="1"/>
+              <a:t>document.querySelector</a:t>
+            </a:r>
+            <a:r>
+              <a:rPr lang="en-US" dirty="0"/>
+              <a:t>('head').</a:t>
+            </a:r>
+            <a:r>
+              <a:rPr lang="en-US" dirty="0" err="1"/>
+              <a:t>parentNode</a:t>
+            </a:r>
+            <a:endParaRPr lang="en-US" dirty="0"/>
+          </a:p>
+          <a:p>
+            <a:pPr marL="0" indent="0">
+              <a:buNone/>
+            </a:pPr>
+            <a:r>
+              <a:rPr lang="en-US" dirty="0"/>
+              <a:t>=&gt; &lt;html lang="</a:t>
+            </a:r>
+            <a:r>
+              <a:rPr lang="en-US" dirty="0" err="1"/>
+              <a:t>en</a:t>
+            </a:r>
+            <a:r>
+              <a:rPr lang="en-US" dirty="0"/>
+              <a:t>"&gt;</a:t>
+            </a:r>
+          </a:p>
+          <a:p>
+            <a:pPr marL="0" indent="0">
+              <a:buNone/>
+            </a:pPr>
+            <a:r>
+              <a:rPr lang="en-US" dirty="0"/>
+              <a:t>.</a:t>
+            </a:r>
+            <a:r>
+              <a:rPr lang="en-US" dirty="0" err="1"/>
+              <a:t>previousSibling</a:t>
+            </a:r>
+            <a:endParaRPr lang="en-US" dirty="0"/>
+          </a:p>
+          <a:p>
+            <a:pPr marL="0" indent="0">
+              <a:buNone/>
+            </a:pPr>
+            <a:r>
+              <a:rPr lang="en-US" dirty="0"/>
+              <a:t>// Finds the previous sibling of a selected element</a:t>
+            </a:r>
+          </a:p>
+          <a:p>
+            <a:pPr marL="0" indent="0">
+              <a:buNone/>
+            </a:pPr>
+            <a:r>
+              <a:rPr lang="en-US" dirty="0" err="1"/>
+              <a:t>document.querySelector</a:t>
+            </a:r>
+            <a:r>
+              <a:rPr lang="en-US" dirty="0"/>
+              <a:t>('p').</a:t>
+            </a:r>
+            <a:r>
+              <a:rPr lang="en-US" dirty="0" err="1"/>
+              <a:t>previousSibling.value</a:t>
+            </a:r>
+            <a:endParaRPr lang="en-US" dirty="0"/>
+          </a:p>
+          <a:p>
+            <a:pPr marL="0" indent="0">
+              <a:buNone/>
+            </a:pPr>
+            <a:r>
+              <a:rPr lang="en-US" dirty="0"/>
+              <a:t>=&gt; "Hello World!"</a:t>
+            </a:r>
+          </a:p>
+          <a:p>
+            <a:pPr marL="0" indent="0">
+              <a:buNone/>
+            </a:pPr>
+            <a:r>
+              <a:rPr lang="en-US" dirty="0"/>
+              <a:t>.</a:t>
+            </a:r>
+            <a:r>
+              <a:rPr lang="en-US" dirty="0" err="1"/>
+              <a:t>nextSibling</a:t>
+            </a:r>
+            <a:endParaRPr lang="en-US" dirty="0"/>
+          </a:p>
+          <a:p>
+            <a:pPr marL="0" indent="0">
+              <a:buNone/>
+            </a:pPr>
+            <a:r>
+              <a:rPr lang="en-US" dirty="0"/>
+              <a:t>// Finds the next sibling of a selected element</a:t>
+            </a:r>
+          </a:p>
+          <a:p>
+            <a:pPr marL="0" indent="0">
+              <a:buNone/>
+            </a:pPr>
+            <a:r>
+              <a:rPr lang="en-US" dirty="0" err="1"/>
+              <a:t>document.querySelector</a:t>
+            </a:r>
+            <a:r>
+              <a:rPr lang="en-US" dirty="0"/>
+              <a:t>('h1').</a:t>
+            </a:r>
+            <a:r>
+              <a:rPr lang="en-US" dirty="0" err="1"/>
+              <a:t>nextSibling.value</a:t>
+            </a:r>
+            <a:endParaRPr lang="en-US" dirty="0"/>
+          </a:p>
+          <a:p>
+            <a:pPr marL="0" indent="0">
+              <a:buNone/>
+            </a:pPr>
+            <a:r>
+              <a:rPr lang="en-US" dirty="0"/>
+              <a:t>=&gt; "JavaScript is cool."</a:t>
+            </a:r>
+          </a:p>
+          <a:p>
+            <a:pPr marL="0" indent="0">
+              <a:buNone/>
+            </a:pPr>
+            <a:r>
+              <a:rPr lang="en-US" dirty="0"/>
+              <a:t>.</a:t>
+            </a:r>
+            <a:r>
+              <a:rPr lang="en-US" dirty="0" err="1"/>
+              <a:t>firstChild</a:t>
+            </a:r>
+            <a:endParaRPr lang="en-US" dirty="0"/>
+          </a:p>
+          <a:p>
+            <a:pPr marL="0" indent="0">
+              <a:buNone/>
+            </a:pPr>
+            <a:r>
+              <a:rPr lang="en-US" dirty="0"/>
+              <a:t>// Finds the first child of a selected element</a:t>
+            </a:r>
+          </a:p>
+          <a:p>
+            <a:pPr marL="0" indent="0">
+              <a:buNone/>
+            </a:pPr>
+            <a:r>
+              <a:rPr lang="en-US" dirty="0" err="1"/>
+              <a:t>document.querySelector</a:t>
+            </a:r>
+            <a:r>
+              <a:rPr lang="en-US" dirty="0"/>
+              <a:t>('body').</a:t>
+            </a:r>
+            <a:r>
+              <a:rPr lang="en-US" dirty="0" err="1"/>
+              <a:t>firstChild.value</a:t>
+            </a:r>
+            <a:endParaRPr lang="en-US" dirty="0"/>
+          </a:p>
+          <a:p>
+            <a:pPr marL="0" indent="0">
+              <a:buNone/>
+            </a:pPr>
+            <a:r>
+              <a:rPr lang="en-US" dirty="0"/>
+              <a:t>=&gt; "Hello World!"</a:t>
+            </a:r>
+          </a:p>
+          <a:p>
+            <a:pPr marL="0" indent="0">
+              <a:buNone/>
+            </a:pPr>
+            <a:r>
+              <a:rPr lang="en-US" dirty="0"/>
+              <a:t>.</a:t>
+            </a:r>
+            <a:r>
+              <a:rPr lang="en-US" dirty="0" err="1"/>
+              <a:t>lastChild</a:t>
+            </a:r>
+            <a:endParaRPr lang="en-US" dirty="0"/>
+          </a:p>
+          <a:p>
+            <a:pPr marL="0" indent="0">
+              <a:buNone/>
+            </a:pPr>
+            <a:r>
+              <a:rPr lang="en-US" dirty="0"/>
+              <a:t>// Finds the first child of a selected element</a:t>
+            </a:r>
+          </a:p>
+          <a:p>
+            <a:pPr marL="0" indent="0">
+              <a:buNone/>
+            </a:pPr>
+            <a:r>
+              <a:rPr lang="en-US" dirty="0" err="1"/>
+              <a:t>document.querySelector</a:t>
+            </a:r>
+            <a:r>
+              <a:rPr lang="en-US" dirty="0"/>
+              <a:t>('body').</a:t>
+            </a:r>
+            <a:r>
+              <a:rPr lang="en-US" dirty="0" err="1"/>
+              <a:t>lastChild.value</a:t>
+            </a:r>
+            <a:endParaRPr lang="en-US" dirty="0"/>
+          </a:p>
+          <a:p>
+            <a:pPr marL="0" indent="0">
+              <a:buNone/>
+            </a:pPr>
+            <a:r>
+              <a:rPr lang="en-US" dirty="0"/>
+              <a:t>=&gt; JavaScript is cool."</a:t>
+            </a:r>
+          </a:p>
+        </p:txBody>
+      </p:sp>
+    </p:spTree>
+    <p:extLst>
+      <p:ext uri="{BB962C8B-B14F-4D97-AF65-F5344CB8AC3E}">
+        <p14:creationId xmlns:p14="http://schemas.microsoft.com/office/powerpoint/2010/main" val="4293209951"/>
+      </p:ext>
+    </p:extLst>
+  </p:cSld>
+  <p:clrMapOvr>
+    <a:masterClrMapping/>
+  </p:clrMapOvr>
+</p:sld>
+</file>
+
+<file path=ppt/slides/slide124.xml><?xml version="1.0" encoding="utf-8"?>
+<p:sld xmlns:a="http://schemas.openxmlformats.org/drawingml/2006/main" xmlns:r="http://schemas.openxmlformats.org/officeDocument/2006/relationships" xmlns:p="http://schemas.openxmlformats.org/presentationml/2006/main">
+  <p:cSld>
+    <p:spTree>
+      <p:nvGrpSpPr>
+        <p:cNvPr id="1" name=""/>
+        <p:cNvGrpSpPr/>
+        <p:nvPr/>
+      </p:nvGrpSpPr>
+      <p:grpSpPr>
+        <a:xfrm>
+          <a:off x="0" y="0"/>
+          <a:ext cx="0" cy="0"/>
+          <a:chOff x="0" y="0"/>
+          <a:chExt cx="0" cy="0"/>
+        </a:xfrm>
+      </p:grpSpPr>
+      <p:sp>
+        <p:nvSpPr>
+          <p:cNvPr id="3" name="Content Placeholder 2">
+            <a:extLst>
+              <a:ext uri="{FF2B5EF4-FFF2-40B4-BE49-F238E27FC236}">
+                <a16:creationId xmlns:a16="http://schemas.microsoft.com/office/drawing/2014/main" id="{19D478D8-6CD7-4DE8-2C1C-324473BCFD12}"/>
+              </a:ext>
+            </a:extLst>
+          </p:cNvPr>
+          <p:cNvSpPr>
+            <a:spLocks noGrp="1"/>
+          </p:cNvSpPr>
+          <p:nvPr>
+            <p:ph idx="1"/>
+          </p:nvPr>
+        </p:nvSpPr>
+        <p:spPr>
+          <a:xfrm>
+            <a:off x="838200" y="329938"/>
+            <a:ext cx="10515600" cy="5847025"/>
+          </a:xfrm>
+        </p:spPr>
+        <p:txBody>
+          <a:bodyPr>
+            <a:normAutofit/>
+          </a:bodyPr>
+          <a:lstStyle/>
+          <a:p>
+            <a:pPr marL="0" indent="0">
+              <a:buNone/>
+            </a:pPr>
+            <a:r>
+              <a:rPr lang="en-US" dirty="0"/>
+              <a:t>Adding elements to HTML page — 4 easy steps</a:t>
+            </a:r>
+          </a:p>
+          <a:p>
+            <a:pPr marL="0" indent="0">
+              <a:buNone/>
+            </a:pPr>
+            <a:r>
+              <a:rPr lang="en-US" dirty="0"/>
+              <a:t>// Step 1 - Find the element </a:t>
+            </a:r>
+            <a:r>
+              <a:rPr lang="en-US" dirty="0" err="1"/>
+              <a:t>parentNode</a:t>
+            </a:r>
+            <a:endParaRPr lang="en-US" dirty="0"/>
+          </a:p>
+          <a:p>
+            <a:pPr marL="0" indent="0">
+              <a:buNone/>
+            </a:pPr>
+            <a:r>
+              <a:rPr lang="en-US" dirty="0"/>
+              <a:t>const div = </a:t>
+            </a:r>
+            <a:r>
+              <a:rPr lang="en-US" dirty="0" err="1"/>
+              <a:t>document.getElementById</a:t>
+            </a:r>
+            <a:r>
+              <a:rPr lang="en-US" dirty="0"/>
+              <a:t>('body')</a:t>
+            </a:r>
+          </a:p>
+          <a:p>
+            <a:pPr marL="0" indent="0">
+              <a:buNone/>
+            </a:pPr>
+            <a:r>
+              <a:rPr lang="en-US" dirty="0"/>
+              <a:t>// Step 2 - Create the new element</a:t>
+            </a:r>
+          </a:p>
+          <a:p>
+            <a:pPr marL="0" indent="0">
+              <a:buNone/>
+            </a:pPr>
+            <a:r>
+              <a:rPr lang="en-US" dirty="0"/>
+              <a:t>const </a:t>
+            </a:r>
+            <a:r>
+              <a:rPr lang="en-US" dirty="0" err="1"/>
+              <a:t>newElement</a:t>
+            </a:r>
+            <a:r>
+              <a:rPr lang="en-US" dirty="0"/>
+              <a:t> = </a:t>
+            </a:r>
+            <a:r>
+              <a:rPr lang="en-US" dirty="0" err="1"/>
+              <a:t>document.createElement</a:t>
+            </a:r>
+            <a:r>
+              <a:rPr lang="en-US" dirty="0"/>
+              <a:t>('h1')</a:t>
+            </a:r>
+          </a:p>
+          <a:p>
+            <a:pPr marL="0" indent="0">
+              <a:buNone/>
+            </a:pPr>
+            <a:r>
+              <a:rPr lang="en-US" dirty="0"/>
+              <a:t>// Step 3 - Add content</a:t>
+            </a:r>
+          </a:p>
+          <a:p>
+            <a:pPr marL="0" indent="0">
+              <a:buNone/>
+            </a:pPr>
+            <a:r>
+              <a:rPr lang="en-US" dirty="0" err="1"/>
+              <a:t>newElement.innerText</a:t>
+            </a:r>
+            <a:r>
+              <a:rPr lang="en-US" dirty="0"/>
+              <a:t> = 'Hello World!'</a:t>
+            </a:r>
+          </a:p>
+          <a:p>
+            <a:pPr marL="0" indent="0">
+              <a:buNone/>
+            </a:pPr>
+            <a:r>
+              <a:rPr lang="en-US" dirty="0"/>
+              <a:t>// Step 4 - Append new element to </a:t>
+            </a:r>
+            <a:r>
+              <a:rPr lang="en-US" dirty="0" err="1"/>
+              <a:t>parentNode</a:t>
+            </a:r>
+            <a:endParaRPr lang="en-US" dirty="0"/>
+          </a:p>
+          <a:p>
+            <a:pPr marL="0" indent="0">
+              <a:buNone/>
+            </a:pPr>
+            <a:r>
+              <a:rPr lang="en-US" dirty="0" err="1"/>
+              <a:t>div.append</a:t>
+            </a:r>
+            <a:r>
+              <a:rPr lang="en-US" dirty="0"/>
+              <a:t>(</a:t>
+            </a:r>
+            <a:r>
+              <a:rPr lang="en-US" dirty="0" err="1"/>
+              <a:t>newElement</a:t>
+            </a:r>
+            <a:r>
+              <a:rPr lang="en-US" dirty="0"/>
+              <a:t>)</a:t>
+            </a:r>
+          </a:p>
+        </p:txBody>
+      </p:sp>
+    </p:spTree>
+    <p:extLst>
+      <p:ext uri="{BB962C8B-B14F-4D97-AF65-F5344CB8AC3E}">
+        <p14:creationId xmlns:p14="http://schemas.microsoft.com/office/powerpoint/2010/main" val="2898962968"/>
+      </p:ext>
+    </p:extLst>
+  </p:cSld>
+  <p:clrMapOvr>
+    <a:masterClrMapping/>
+  </p:clrMapOvr>
+</p:sld>
+</file>
+
+<file path=ppt/slides/slide125.xml><?xml version="1.0" encoding="utf-8"?>
+<p:sld xmlns:a="http://schemas.openxmlformats.org/drawingml/2006/main" xmlns:r="http://schemas.openxmlformats.org/officeDocument/2006/relationships" xmlns:p="http://schemas.openxmlformats.org/presentationml/2006/main">
+  <p:cSld>
+    <p:spTree>
+      <p:nvGrpSpPr>
+        <p:cNvPr id="1" name=""/>
+        <p:cNvGrpSpPr/>
+        <p:nvPr/>
+      </p:nvGrpSpPr>
+      <p:grpSpPr>
+        <a:xfrm>
+          <a:off x="0" y="0"/>
+          <a:ext cx="0" cy="0"/>
+          <a:chOff x="0" y="0"/>
+          <a:chExt cx="0" cy="0"/>
+        </a:xfrm>
+      </p:grpSpPr>
+      <p:sp>
+        <p:nvSpPr>
+          <p:cNvPr id="3" name="Content Placeholder 2">
+            <a:extLst>
+              <a:ext uri="{FF2B5EF4-FFF2-40B4-BE49-F238E27FC236}">
+                <a16:creationId xmlns:a16="http://schemas.microsoft.com/office/drawing/2014/main" id="{D30DECE1-F0DD-0BFA-24BD-10F0DA3E6ECA}"/>
+              </a:ext>
+            </a:extLst>
+          </p:cNvPr>
+          <p:cNvSpPr>
+            <a:spLocks noGrp="1"/>
+          </p:cNvSpPr>
+          <p:nvPr>
+            <p:ph idx="1"/>
+          </p:nvPr>
+        </p:nvSpPr>
+        <p:spPr>
+          <a:xfrm>
+            <a:off x="838200" y="122548"/>
+            <a:ext cx="10515600" cy="6054415"/>
+          </a:xfrm>
+        </p:spPr>
+        <p:txBody>
+          <a:bodyPr/>
+          <a:lstStyle/>
+          <a:p>
+            <a:pPr marL="0" indent="0">
+              <a:buNone/>
+            </a:pPr>
+            <a:r>
+              <a:rPr lang="en-US" dirty="0"/>
+              <a:t>.</a:t>
+            </a:r>
+            <a:r>
+              <a:rPr lang="en-US" dirty="0" err="1"/>
+              <a:t>innerHTML</a:t>
+            </a:r>
+            <a:endParaRPr lang="en-US" dirty="0"/>
+          </a:p>
+          <a:p>
+            <a:pPr marL="0" indent="0">
+              <a:buNone/>
+            </a:pPr>
+            <a:r>
+              <a:rPr lang="en-US" dirty="0"/>
+              <a:t>// Set the HTML content of an element</a:t>
+            </a:r>
+          </a:p>
+          <a:p>
+            <a:pPr marL="0" indent="0">
+              <a:buNone/>
+            </a:pPr>
+            <a:r>
+              <a:rPr lang="en-US" dirty="0" err="1"/>
+              <a:t>document.getElementById</a:t>
+            </a:r>
+            <a:r>
+              <a:rPr lang="en-US" dirty="0"/>
+              <a:t>("demo").</a:t>
+            </a:r>
+            <a:r>
+              <a:rPr lang="en-US" dirty="0" err="1"/>
+              <a:t>innerHTML</a:t>
+            </a:r>
+            <a:r>
+              <a:rPr lang="en-US" dirty="0"/>
+              <a:t> = "&lt;p&gt;Hello World&lt;/p&gt;"</a:t>
+            </a:r>
+          </a:p>
+          <a:p>
+            <a:pPr marL="0" indent="0">
+              <a:buNone/>
+            </a:pPr>
+            <a:r>
+              <a:rPr lang="en-US" dirty="0"/>
+              <a:t>.</a:t>
+            </a:r>
+            <a:r>
+              <a:rPr lang="en-US" dirty="0" err="1"/>
+              <a:t>innerText</a:t>
+            </a:r>
+            <a:endParaRPr lang="en-US" dirty="0"/>
+          </a:p>
+          <a:p>
+            <a:pPr marL="0" indent="0">
+              <a:buNone/>
+            </a:pPr>
+            <a:r>
+              <a:rPr lang="en-US" dirty="0"/>
+              <a:t>// Set the text content of an element</a:t>
+            </a:r>
+          </a:p>
+          <a:p>
+            <a:pPr marL="0" indent="0">
+              <a:buNone/>
+            </a:pPr>
+            <a:r>
+              <a:rPr lang="en-US" dirty="0" err="1"/>
+              <a:t>document.getElementById</a:t>
+            </a:r>
+            <a:r>
+              <a:rPr lang="en-US" dirty="0"/>
+              <a:t>("demo").</a:t>
+            </a:r>
+            <a:r>
+              <a:rPr lang="en-US" dirty="0" err="1"/>
+              <a:t>innerText</a:t>
+            </a:r>
+            <a:r>
+              <a:rPr lang="en-US" dirty="0"/>
+              <a:t> = "Hello World"</a:t>
+            </a:r>
+          </a:p>
+        </p:txBody>
+      </p:sp>
+    </p:spTree>
+    <p:extLst>
+      <p:ext uri="{BB962C8B-B14F-4D97-AF65-F5344CB8AC3E}">
+        <p14:creationId xmlns:p14="http://schemas.microsoft.com/office/powerpoint/2010/main" val="81328454"/>
+      </p:ext>
+    </p:extLst>
+  </p:cSld>
+  <p:clrMapOvr>
+    <a:masterClrMapping/>
+  </p:clrMapOvr>
+</p:sld>
+</file>
+
+<file path=ppt/slides/slide126.xml><?xml version="1.0" encoding="utf-8"?>
+<p:sld xmlns:a="http://schemas.openxmlformats.org/drawingml/2006/main" xmlns:r="http://schemas.openxmlformats.org/officeDocument/2006/relationships" xmlns:p="http://schemas.openxmlformats.org/presentationml/2006/main">
+  <p:cSld>
+    <p:spTree>
+      <p:nvGrpSpPr>
+        <p:cNvPr id="1" name=""/>
+        <p:cNvGrpSpPr/>
+        <p:nvPr/>
+      </p:nvGrpSpPr>
+      <p:grpSpPr>
+        <a:xfrm>
+          <a:off x="0" y="0"/>
+          <a:ext cx="0" cy="0"/>
+          <a:chOff x="0" y="0"/>
+          <a:chExt cx="0" cy="0"/>
+        </a:xfrm>
+      </p:grpSpPr>
+      <p:sp>
+        <p:nvSpPr>
+          <p:cNvPr id="3" name="Content Placeholder 2">
+            <a:extLst>
+              <a:ext uri="{FF2B5EF4-FFF2-40B4-BE49-F238E27FC236}">
+                <a16:creationId xmlns:a16="http://schemas.microsoft.com/office/drawing/2014/main" id="{7554F80D-F233-9E44-D755-7F938DE2FCC3}"/>
+              </a:ext>
+            </a:extLst>
+          </p:cNvPr>
+          <p:cNvSpPr>
+            <a:spLocks noGrp="1"/>
+          </p:cNvSpPr>
+          <p:nvPr>
+            <p:ph idx="1"/>
+          </p:nvPr>
+        </p:nvSpPr>
+        <p:spPr>
+          <a:xfrm>
+            <a:off x="838200" y="141402"/>
+            <a:ext cx="10515600" cy="6240544"/>
+          </a:xfrm>
+        </p:spPr>
+        <p:txBody>
+          <a:bodyPr>
+            <a:normAutofit fontScale="92500" lnSpcReduction="10000"/>
+          </a:bodyPr>
+          <a:lstStyle/>
+          <a:p>
+            <a:pPr marL="0" indent="0">
+              <a:buNone/>
+            </a:pPr>
+            <a:r>
+              <a:rPr lang="en-US" dirty="0"/>
+              <a:t>.</a:t>
+            </a:r>
+            <a:r>
+              <a:rPr lang="en-US" dirty="0" err="1"/>
+              <a:t>className</a:t>
+            </a:r>
+            <a:endParaRPr lang="en-US" dirty="0"/>
+          </a:p>
+          <a:p>
+            <a:pPr marL="0" indent="0">
+              <a:buNone/>
+            </a:pPr>
+            <a:r>
+              <a:rPr lang="en-US" dirty="0"/>
+              <a:t>// Set/update the class attribute for an element</a:t>
+            </a:r>
+          </a:p>
+          <a:p>
+            <a:pPr marL="0" indent="0">
+              <a:buNone/>
+            </a:pPr>
+            <a:r>
+              <a:rPr lang="en-US" dirty="0" err="1"/>
+              <a:t>elementNode.className</a:t>
+            </a:r>
+            <a:r>
+              <a:rPr lang="en-US" dirty="0"/>
+              <a:t> = "name-of-class"</a:t>
+            </a:r>
+          </a:p>
+          <a:p>
+            <a:pPr marL="0" indent="0">
+              <a:buNone/>
+            </a:pPr>
+            <a:r>
+              <a:rPr lang="en-US" dirty="0"/>
+              <a:t>.</a:t>
+            </a:r>
+            <a:r>
+              <a:rPr lang="en-US" dirty="0" err="1"/>
+              <a:t>setAttribute</a:t>
+            </a:r>
+            <a:r>
+              <a:rPr lang="en-US" dirty="0"/>
+              <a:t>('name', 'value')</a:t>
+            </a:r>
+          </a:p>
+          <a:p>
+            <a:pPr marL="0" indent="0">
+              <a:buNone/>
+            </a:pPr>
+            <a:r>
+              <a:rPr lang="en-US" dirty="0"/>
+              <a:t>// Sets an attribute of an element</a:t>
+            </a:r>
+          </a:p>
+          <a:p>
+            <a:pPr marL="0" indent="0">
+              <a:buNone/>
+            </a:pPr>
+            <a:r>
+              <a:rPr lang="en-US" dirty="0" err="1"/>
+              <a:t>elementNode.setAttribute</a:t>
+            </a:r>
+            <a:r>
+              <a:rPr lang="en-US" dirty="0"/>
+              <a:t>("name-of-class", "value-of-class")</a:t>
+            </a:r>
+          </a:p>
+          <a:p>
+            <a:pPr marL="0" indent="0">
+              <a:buNone/>
+            </a:pPr>
+            <a:r>
+              <a:rPr lang="en-US" dirty="0"/>
+              <a:t>.</a:t>
+            </a:r>
+            <a:r>
+              <a:rPr lang="en-US" dirty="0" err="1"/>
+              <a:t>removeAttribute</a:t>
+            </a:r>
+            <a:r>
+              <a:rPr lang="en-US" dirty="0"/>
+              <a:t>(</a:t>
+            </a:r>
+            <a:r>
+              <a:rPr lang="en-US" dirty="0" err="1"/>
+              <a:t>attributeName</a:t>
+            </a:r>
+            <a:r>
+              <a:rPr lang="en-US" dirty="0"/>
+              <a:t>)</a:t>
+            </a:r>
+          </a:p>
+          <a:p>
+            <a:pPr marL="0" indent="0">
+              <a:buNone/>
+            </a:pPr>
+            <a:r>
+              <a:rPr lang="en-US" dirty="0"/>
+              <a:t>// Removes an attribute from an element</a:t>
+            </a:r>
+          </a:p>
+          <a:p>
+            <a:pPr marL="0" indent="0">
+              <a:buNone/>
+            </a:pPr>
+            <a:r>
+              <a:rPr lang="en-US" dirty="0" err="1"/>
+              <a:t>elementNode.removeAttribute</a:t>
+            </a:r>
+            <a:r>
+              <a:rPr lang="en-US" dirty="0"/>
+              <a:t>('name-of-</a:t>
+            </a:r>
+            <a:r>
+              <a:rPr lang="en-US" dirty="0" err="1"/>
+              <a:t>class’</a:t>
+            </a:r>
+            <a:r>
+              <a:rPr lang="en-US" dirty="0"/>
+              <a:t>)</a:t>
+            </a:r>
+          </a:p>
+          <a:p>
+            <a:pPr marL="0" indent="0">
+              <a:buNone/>
+            </a:pPr>
+            <a:r>
+              <a:rPr lang="en-US" dirty="0"/>
+              <a:t>Event Handler</a:t>
+            </a:r>
+          </a:p>
+          <a:p>
+            <a:pPr marL="0" indent="0">
+              <a:buNone/>
+            </a:pPr>
+            <a:r>
+              <a:rPr lang="en-US" dirty="0" err="1"/>
+              <a:t>newElement.addEventListener</a:t>
+            </a:r>
+            <a:r>
+              <a:rPr lang="en-US" dirty="0"/>
+              <a:t>('</a:t>
+            </a:r>
+            <a:r>
+              <a:rPr lang="en-US" dirty="0" err="1"/>
+              <a:t>typeOfEvent</a:t>
+            </a:r>
+            <a:r>
+              <a:rPr lang="en-US" dirty="0"/>
+              <a:t>', function(event) {</a:t>
+            </a:r>
+          </a:p>
+          <a:p>
+            <a:pPr marL="0" indent="0">
+              <a:buNone/>
+            </a:pPr>
+            <a:r>
+              <a:rPr lang="en-US" dirty="0"/>
+              <a:t>         // event actions go here</a:t>
+            </a:r>
+          </a:p>
+          <a:p>
+            <a:pPr marL="0" indent="0">
+              <a:buNone/>
+            </a:pPr>
+            <a:r>
+              <a:rPr lang="en-US" dirty="0"/>
+              <a:t>         </a:t>
+            </a:r>
+            <a:r>
+              <a:rPr lang="en-US" dirty="0" err="1"/>
+              <a:t>event.target.firstChild.innerText</a:t>
+            </a:r>
+            <a:r>
+              <a:rPr lang="en-US" dirty="0"/>
+              <a:t> = "foo bar"         </a:t>
+            </a:r>
+          </a:p>
+          <a:p>
+            <a:pPr marL="0" indent="0">
+              <a:buNone/>
+            </a:pPr>
+            <a:r>
+              <a:rPr lang="en-US" dirty="0"/>
+              <a:t>})</a:t>
+            </a:r>
+          </a:p>
+        </p:txBody>
+      </p:sp>
+    </p:spTree>
+    <p:extLst>
+      <p:ext uri="{BB962C8B-B14F-4D97-AF65-F5344CB8AC3E}">
+        <p14:creationId xmlns:p14="http://schemas.microsoft.com/office/powerpoint/2010/main" val="2252982008"/>
+      </p:ext>
+    </p:extLst>
+  </p:cSld>
+  <p:clrMapOvr>
+    <a:masterClrMapping/>
+  </p:clrMapOvr>
+</p:sld>
+</file>
+
+<file path=ppt/slides/slide127.xml><?xml version="1.0" encoding="utf-8"?>
+<p:sld xmlns:a="http://schemas.openxmlformats.org/drawingml/2006/main" xmlns:r="http://schemas.openxmlformats.org/officeDocument/2006/relationships" xmlns:p="http://schemas.openxmlformats.org/presentationml/2006/main">
+  <p:cSld>
+    <p:spTree>
+      <p:nvGrpSpPr>
+        <p:cNvPr id="1" name=""/>
+        <p:cNvGrpSpPr/>
+        <p:nvPr/>
+      </p:nvGrpSpPr>
+      <p:grpSpPr>
+        <a:xfrm>
+          <a:off x="0" y="0"/>
+          <a:ext cx="0" cy="0"/>
+          <a:chOff x="0" y="0"/>
+          <a:chExt cx="0" cy="0"/>
+        </a:xfrm>
+      </p:grpSpPr>
+      <p:sp>
+        <p:nvSpPr>
+          <p:cNvPr id="3" name="Content Placeholder 2">
+            <a:extLst>
+              <a:ext uri="{FF2B5EF4-FFF2-40B4-BE49-F238E27FC236}">
+                <a16:creationId xmlns:a16="http://schemas.microsoft.com/office/drawing/2014/main" id="{FF555264-D22F-6C95-8B2B-A8DD379DA707}"/>
+              </a:ext>
+            </a:extLst>
+          </p:cNvPr>
+          <p:cNvSpPr>
+            <a:spLocks noGrp="1"/>
+          </p:cNvSpPr>
+          <p:nvPr>
+            <p:ph idx="1"/>
+          </p:nvPr>
+        </p:nvSpPr>
+        <p:spPr/>
+        <p:txBody>
+          <a:bodyPr/>
+          <a:lstStyle/>
+          <a:p>
+            <a:r>
+              <a:rPr lang="en-US" dirty="0" err="1"/>
+              <a:t>Clourse,hoisting,callback,promise,async</a:t>
+            </a:r>
+            <a:r>
+              <a:rPr lang="en-US" dirty="0"/>
+              <a:t> await,</a:t>
+            </a:r>
+          </a:p>
+          <a:p>
+            <a:r>
+              <a:rPr lang="en-US" dirty="0"/>
+              <a:t>Export and import</a:t>
+            </a:r>
+          </a:p>
+          <a:p>
+            <a:r>
+              <a:rPr lang="en-US" dirty="0"/>
+              <a:t>Object and this,</a:t>
+            </a:r>
+          </a:p>
+          <a:p>
+            <a:r>
+              <a:rPr lang="en-US" dirty="0"/>
+              <a:t>Arrow function</a:t>
+            </a:r>
+          </a:p>
+        </p:txBody>
+      </p:sp>
+    </p:spTree>
+    <p:extLst>
+      <p:ext uri="{BB962C8B-B14F-4D97-AF65-F5344CB8AC3E}">
+        <p14:creationId xmlns:p14="http://schemas.microsoft.com/office/powerpoint/2010/main" val="1876841838"/>
       </p:ext>
     </p:extLst>
   </p:cSld>

--- a/frontend/notes.pptx
+++ b/frontend/notes.pptx
@@ -132,6 +132,9 @@
     <p:sldId id="380" r:id="rId126"/>
     <p:sldId id="381" r:id="rId127"/>
     <p:sldId id="382" r:id="rId128"/>
+    <p:sldId id="383" r:id="rId129"/>
+    <p:sldId id="384" r:id="rId130"/>
+    <p:sldId id="385" r:id="rId131"/>
   </p:sldIdLst>
   <p:sldSz cx="12192000" cy="6858000"/>
   <p:notesSz cx="6858000" cy="9144000"/>
@@ -385,7 +388,7 @@
           <a:p>
             <a:fld id="{1EAD71A1-6ECA-4734-A5ED-11B90CF0DBBC}" type="datetimeFigureOut">
               <a:rPr lang="en-US" smtClean="0"/>
-              <a:t>11/5/2022</a:t>
+              <a:t>11/26/2022</a:t>
             </a:fld>
             <a:endParaRPr lang="en-US"/>
           </a:p>
@@ -583,7 +586,7 @@
           <a:p>
             <a:fld id="{1EAD71A1-6ECA-4734-A5ED-11B90CF0DBBC}" type="datetimeFigureOut">
               <a:rPr lang="en-US" smtClean="0"/>
-              <a:t>11/5/2022</a:t>
+              <a:t>11/26/2022</a:t>
             </a:fld>
             <a:endParaRPr lang="en-US"/>
           </a:p>
@@ -791,7 +794,7 @@
           <a:p>
             <a:fld id="{1EAD71A1-6ECA-4734-A5ED-11B90CF0DBBC}" type="datetimeFigureOut">
               <a:rPr lang="en-US" smtClean="0"/>
-              <a:t>11/5/2022</a:t>
+              <a:t>11/26/2022</a:t>
             </a:fld>
             <a:endParaRPr lang="en-US"/>
           </a:p>
@@ -989,7 +992,7 @@
           <a:p>
             <a:fld id="{1EAD71A1-6ECA-4734-A5ED-11B90CF0DBBC}" type="datetimeFigureOut">
               <a:rPr lang="en-US" smtClean="0"/>
-              <a:t>11/5/2022</a:t>
+              <a:t>11/26/2022</a:t>
             </a:fld>
             <a:endParaRPr lang="en-US"/>
           </a:p>
@@ -1264,7 +1267,7 @@
           <a:p>
             <a:fld id="{1EAD71A1-6ECA-4734-A5ED-11B90CF0DBBC}" type="datetimeFigureOut">
               <a:rPr lang="en-US" smtClean="0"/>
-              <a:t>11/5/2022</a:t>
+              <a:t>11/26/2022</a:t>
             </a:fld>
             <a:endParaRPr lang="en-US"/>
           </a:p>
@@ -1529,7 +1532,7 @@
           <a:p>
             <a:fld id="{1EAD71A1-6ECA-4734-A5ED-11B90CF0DBBC}" type="datetimeFigureOut">
               <a:rPr lang="en-US" smtClean="0"/>
-              <a:t>11/5/2022</a:t>
+              <a:t>11/26/2022</a:t>
             </a:fld>
             <a:endParaRPr lang="en-US"/>
           </a:p>
@@ -1941,7 +1944,7 @@
           <a:p>
             <a:fld id="{1EAD71A1-6ECA-4734-A5ED-11B90CF0DBBC}" type="datetimeFigureOut">
               <a:rPr lang="en-US" smtClean="0"/>
-              <a:t>11/5/2022</a:t>
+              <a:t>11/26/2022</a:t>
             </a:fld>
             <a:endParaRPr lang="en-US"/>
           </a:p>
@@ -2082,7 +2085,7 @@
           <a:p>
             <a:fld id="{1EAD71A1-6ECA-4734-A5ED-11B90CF0DBBC}" type="datetimeFigureOut">
               <a:rPr lang="en-US" smtClean="0"/>
-              <a:t>11/5/2022</a:t>
+              <a:t>11/26/2022</a:t>
             </a:fld>
             <a:endParaRPr lang="en-US"/>
           </a:p>
@@ -2195,7 +2198,7 @@
           <a:p>
             <a:fld id="{1EAD71A1-6ECA-4734-A5ED-11B90CF0DBBC}" type="datetimeFigureOut">
               <a:rPr lang="en-US" smtClean="0"/>
-              <a:t>11/5/2022</a:t>
+              <a:t>11/26/2022</a:t>
             </a:fld>
             <a:endParaRPr lang="en-US"/>
           </a:p>
@@ -2506,7 +2509,7 @@
           <a:p>
             <a:fld id="{1EAD71A1-6ECA-4734-A5ED-11B90CF0DBBC}" type="datetimeFigureOut">
               <a:rPr lang="en-US" smtClean="0"/>
-              <a:t>11/5/2022</a:t>
+              <a:t>11/26/2022</a:t>
             </a:fld>
             <a:endParaRPr lang="en-US"/>
           </a:p>
@@ -2794,7 +2797,7 @@
           <a:p>
             <a:fld id="{1EAD71A1-6ECA-4734-A5ED-11B90CF0DBBC}" type="datetimeFigureOut">
               <a:rPr lang="en-US" smtClean="0"/>
-              <a:t>11/5/2022</a:t>
+              <a:t>11/26/2022</a:t>
             </a:fld>
             <a:endParaRPr lang="en-US"/>
           </a:p>
@@ -3035,7 +3038,7 @@
           <a:p>
             <a:fld id="{1EAD71A1-6ECA-4734-A5ED-11B90CF0DBBC}" type="datetimeFigureOut">
               <a:rPr lang="en-US" smtClean="0"/>
-              <a:t>11/5/2022</a:t>
+              <a:t>11/26/2022</a:t>
             </a:fld>
             <a:endParaRPr lang="en-US"/>
           </a:p>
@@ -13017,6 +13020,357 @@
 </p:sld>
 </file>
 
+<file path=ppt/slides/slide128.xml><?xml version="1.0" encoding="utf-8"?>
+<p:sld xmlns:a="http://schemas.openxmlformats.org/drawingml/2006/main" xmlns:r="http://schemas.openxmlformats.org/officeDocument/2006/relationships" xmlns:p="http://schemas.openxmlformats.org/presentationml/2006/main">
+  <p:cSld>
+    <p:spTree>
+      <p:nvGrpSpPr>
+        <p:cNvPr id="1" name=""/>
+        <p:cNvGrpSpPr/>
+        <p:nvPr/>
+      </p:nvGrpSpPr>
+      <p:grpSpPr>
+        <a:xfrm>
+          <a:off x="0" y="0"/>
+          <a:ext cx="0" cy="0"/>
+          <a:chOff x="0" y="0"/>
+          <a:chExt cx="0" cy="0"/>
+        </a:xfrm>
+      </p:grpSpPr>
+      <p:sp>
+        <p:nvSpPr>
+          <p:cNvPr id="2" name="Title 1">
+            <a:extLst>
+              <a:ext uri="{FF2B5EF4-FFF2-40B4-BE49-F238E27FC236}">
+                <a16:creationId xmlns:a16="http://schemas.microsoft.com/office/drawing/2014/main" id="{0395AB45-BEDF-2E03-DD7B-A80975BD1EE6}"/>
+              </a:ext>
+            </a:extLst>
+          </p:cNvPr>
+          <p:cNvSpPr>
+            <a:spLocks noGrp="1"/>
+          </p:cNvSpPr>
+          <p:nvPr>
+            <p:ph type="title"/>
+          </p:nvPr>
+        </p:nvSpPr>
+        <p:spPr>
+          <a:xfrm>
+            <a:off x="838200" y="365126"/>
+            <a:ext cx="10515600" cy="398446"/>
+          </a:xfrm>
+        </p:spPr>
+        <p:txBody>
+          <a:bodyPr>
+            <a:normAutofit fontScale="90000"/>
+          </a:bodyPr>
+          <a:lstStyle/>
+          <a:p>
+            <a:r>
+              <a:rPr lang="en-US" dirty="0"/>
+              <a:t>Mastering In ‘This’</a:t>
+            </a:r>
+          </a:p>
+        </p:txBody>
+      </p:sp>
+      <p:sp>
+        <p:nvSpPr>
+          <p:cNvPr id="3" name="Content Placeholder 2">
+            <a:extLst>
+              <a:ext uri="{FF2B5EF4-FFF2-40B4-BE49-F238E27FC236}">
+                <a16:creationId xmlns:a16="http://schemas.microsoft.com/office/drawing/2014/main" id="{A04AB1A2-EF56-4E15-6A46-200A787D41F1}"/>
+              </a:ext>
+            </a:extLst>
+          </p:cNvPr>
+          <p:cNvSpPr>
+            <a:spLocks noGrp="1"/>
+          </p:cNvSpPr>
+          <p:nvPr>
+            <p:ph idx="1"/>
+          </p:nvPr>
+        </p:nvSpPr>
+        <p:spPr>
+          <a:xfrm>
+            <a:off x="838200" y="857839"/>
+            <a:ext cx="10515600" cy="5740924"/>
+          </a:xfrm>
+        </p:spPr>
+        <p:txBody>
+          <a:bodyPr/>
+          <a:lstStyle/>
+          <a:p>
+            <a:r>
+              <a:rPr lang="en-US" dirty="0"/>
+              <a:t>Invoking Function with a new keyword -</a:t>
+            </a:r>
+          </a:p>
+          <a:p>
+            <a:r>
+              <a:rPr lang="en-US" dirty="0"/>
+              <a:t>When a function gets invoked with a new keyword, the this inside function will refer to a absolutely new empty object</a:t>
+            </a:r>
+          </a:p>
+          <a:p>
+            <a:r>
+              <a:rPr lang="en-US" dirty="0">
+                <a:solidFill>
+                  <a:srgbClr val="00B0F0"/>
+                </a:solidFill>
+              </a:rPr>
+              <a:t>function print() {</a:t>
+            </a:r>
+          </a:p>
+          <a:p>
+            <a:r>
+              <a:rPr lang="en-US" dirty="0">
+                <a:solidFill>
+                  <a:srgbClr val="00B0F0"/>
+                </a:solidFill>
+              </a:rPr>
+              <a:t> console.log(this);</a:t>
+            </a:r>
+          </a:p>
+          <a:p>
+            <a:r>
+              <a:rPr lang="en-US" dirty="0">
+                <a:solidFill>
+                  <a:srgbClr val="00B0F0"/>
+                </a:solidFill>
+              </a:rPr>
+              <a:t>}</a:t>
+            </a:r>
+          </a:p>
+          <a:p>
+            <a:r>
+              <a:rPr lang="en-US" dirty="0">
+                <a:solidFill>
+                  <a:srgbClr val="00B0F0"/>
+                </a:solidFill>
+              </a:rPr>
+              <a:t>new print(); </a:t>
+            </a:r>
+          </a:p>
+          <a:p>
+            <a:r>
+              <a:rPr lang="en-US" dirty="0">
+                <a:solidFill>
+                  <a:srgbClr val="00B0F0"/>
+                </a:solidFill>
+              </a:rPr>
+              <a:t>// Output: {}</a:t>
+            </a:r>
+          </a:p>
+        </p:txBody>
+      </p:sp>
+    </p:spTree>
+    <p:extLst>
+      <p:ext uri="{BB962C8B-B14F-4D97-AF65-F5344CB8AC3E}">
+        <p14:creationId xmlns:p14="http://schemas.microsoft.com/office/powerpoint/2010/main" val="2963460994"/>
+      </p:ext>
+    </p:extLst>
+  </p:cSld>
+  <p:clrMapOvr>
+    <a:masterClrMapping/>
+  </p:clrMapOvr>
+</p:sld>
+</file>
+
+<file path=ppt/slides/slide129.xml><?xml version="1.0" encoding="utf-8"?>
+<p:sld xmlns:a="http://schemas.openxmlformats.org/drawingml/2006/main" xmlns:r="http://schemas.openxmlformats.org/officeDocument/2006/relationships" xmlns:p="http://schemas.openxmlformats.org/presentationml/2006/main">
+  <p:cSld>
+    <p:spTree>
+      <p:nvGrpSpPr>
+        <p:cNvPr id="1" name=""/>
+        <p:cNvGrpSpPr/>
+        <p:nvPr/>
+      </p:nvGrpSpPr>
+      <p:grpSpPr>
+        <a:xfrm>
+          <a:off x="0" y="0"/>
+          <a:ext cx="0" cy="0"/>
+          <a:chOff x="0" y="0"/>
+          <a:chExt cx="0" cy="0"/>
+        </a:xfrm>
+      </p:grpSpPr>
+      <p:sp>
+        <p:nvSpPr>
+          <p:cNvPr id="2" name="Title 1">
+            <a:extLst>
+              <a:ext uri="{FF2B5EF4-FFF2-40B4-BE49-F238E27FC236}">
+                <a16:creationId xmlns:a16="http://schemas.microsoft.com/office/drawing/2014/main" id="{F193F81C-77DA-92C4-54A3-53FE4CBCE5A1}"/>
+              </a:ext>
+            </a:extLst>
+          </p:cNvPr>
+          <p:cNvSpPr>
+            <a:spLocks noGrp="1"/>
+          </p:cNvSpPr>
+          <p:nvPr>
+            <p:ph type="title"/>
+          </p:nvPr>
+        </p:nvSpPr>
+        <p:spPr>
+          <a:xfrm>
+            <a:off x="838200" y="365126"/>
+            <a:ext cx="10515600" cy="464434"/>
+          </a:xfrm>
+        </p:spPr>
+        <p:txBody>
+          <a:bodyPr>
+            <a:normAutofit fontScale="90000"/>
+          </a:bodyPr>
+          <a:lstStyle/>
+          <a:p>
+            <a:r>
+              <a:rPr lang="en-US" dirty="0"/>
+              <a:t>2. This while using </a:t>
+            </a:r>
+            <a:r>
+              <a:rPr lang="en-US" dirty="0" err="1"/>
+              <a:t>call,apply</a:t>
+            </a:r>
+            <a:r>
+              <a:rPr lang="en-US" dirty="0"/>
+              <a:t>, bind</a:t>
+            </a:r>
+          </a:p>
+        </p:txBody>
+      </p:sp>
+      <p:sp>
+        <p:nvSpPr>
+          <p:cNvPr id="3" name="Content Placeholder 2">
+            <a:extLst>
+              <a:ext uri="{FF2B5EF4-FFF2-40B4-BE49-F238E27FC236}">
+                <a16:creationId xmlns:a16="http://schemas.microsoft.com/office/drawing/2014/main" id="{E382F155-9923-0E7B-ED7A-516C2FB197A7}"/>
+              </a:ext>
+            </a:extLst>
+          </p:cNvPr>
+          <p:cNvSpPr>
+            <a:spLocks noGrp="1"/>
+          </p:cNvSpPr>
+          <p:nvPr>
+            <p:ph idx="1"/>
+          </p:nvPr>
+        </p:nvSpPr>
+        <p:spPr/>
+        <p:txBody>
+          <a:bodyPr>
+            <a:normAutofit fontScale="77500" lnSpcReduction="20000"/>
+          </a:bodyPr>
+          <a:lstStyle/>
+          <a:p>
+            <a:r>
+              <a:rPr lang="en-US" dirty="0"/>
+              <a:t>Invoking Function with call, apply or bind</a:t>
+            </a:r>
+          </a:p>
+          <a:p>
+            <a:r>
+              <a:rPr lang="en-US" dirty="0"/>
+              <a:t>In this scenario, the this will refer to the value that is passed inside the arguments.</a:t>
+            </a:r>
+          </a:p>
+          <a:p>
+            <a:r>
+              <a:rPr lang="en-US" dirty="0"/>
+              <a:t>function print() {</a:t>
+            </a:r>
+          </a:p>
+          <a:p>
+            <a:r>
+              <a:rPr lang="en-US" dirty="0"/>
+              <a:t>console.log(this);</a:t>
+            </a:r>
+          </a:p>
+          <a:p>
+            <a:r>
+              <a:rPr lang="en-US" dirty="0"/>
+              <a:t>}</a:t>
+            </a:r>
+          </a:p>
+          <a:p>
+            <a:r>
+              <a:rPr lang="en-US" dirty="0"/>
+              <a:t>const developer= {</a:t>
+            </a:r>
+          </a:p>
+          <a:p>
+            <a:r>
+              <a:rPr lang="en-US" dirty="0"/>
+              <a:t>love: "JavaScript"</a:t>
+            </a:r>
+          </a:p>
+          <a:p>
+            <a:r>
+              <a:rPr lang="en-US" dirty="0"/>
+              <a:t>};</a:t>
+            </a:r>
+          </a:p>
+          <a:p>
+            <a:r>
+              <a:rPr lang="en-US" dirty="0"/>
+              <a:t>const </a:t>
+            </a:r>
+            <a:r>
+              <a:rPr lang="en-US" dirty="0" err="1"/>
+              <a:t>bindedFn</a:t>
+            </a:r>
+            <a:r>
+              <a:rPr lang="en-US" dirty="0"/>
+              <a:t> = </a:t>
+            </a:r>
+            <a:r>
+              <a:rPr lang="en-US" dirty="0" err="1"/>
+              <a:t>print.bind</a:t>
+            </a:r>
+            <a:r>
+              <a:rPr lang="en-US" dirty="0"/>
+              <a:t>(developer);</a:t>
+            </a:r>
+          </a:p>
+          <a:p>
+            <a:r>
+              <a:rPr lang="en-US" dirty="0" err="1"/>
+              <a:t>bindedFn</a:t>
+            </a:r>
+            <a:r>
+              <a:rPr lang="en-US" dirty="0"/>
+              <a:t>();// { love: "JavaScript" }</a:t>
+            </a:r>
+          </a:p>
+          <a:p>
+            <a:r>
+              <a:rPr lang="en-US" dirty="0" err="1"/>
+              <a:t>print.call</a:t>
+            </a:r>
+            <a:r>
+              <a:rPr lang="en-US" dirty="0"/>
+              <a:t>(developer);  // { love: "JavaScript" }</a:t>
+            </a:r>
+          </a:p>
+          <a:p>
+            <a:r>
+              <a:rPr lang="en-US" dirty="0" err="1"/>
+              <a:t>print.apply</a:t>
+            </a:r>
+            <a:r>
+              <a:rPr lang="en-US" dirty="0"/>
+              <a:t>(developer);  // { love: "JavaScript" }</a:t>
+            </a:r>
+          </a:p>
+        </p:txBody>
+      </p:sp>
+    </p:spTree>
+    <p:extLst>
+      <p:ext uri="{BB962C8B-B14F-4D97-AF65-F5344CB8AC3E}">
+        <p14:creationId xmlns:p14="http://schemas.microsoft.com/office/powerpoint/2010/main" val="349508235"/>
+      </p:ext>
+    </p:extLst>
+  </p:cSld>
+  <p:clrMapOvr>
+    <a:masterClrMapping/>
+  </p:clrMapOvr>
+</p:sld>
+</file>
+
 <file path=ppt/slides/slide13.xml><?xml version="1.0" encoding="utf-8"?>
 <p:sld xmlns:a="http://schemas.openxmlformats.org/drawingml/2006/main" xmlns:r="http://schemas.openxmlformats.org/officeDocument/2006/relationships" xmlns:p="http://schemas.openxmlformats.org/presentationml/2006/main">
   <p:cSld>
@@ -13591,6 +13945,206 @@
     <p:extLst>
       <p:ext uri="{BB962C8B-B14F-4D97-AF65-F5344CB8AC3E}">
         <p14:creationId xmlns:p14="http://schemas.microsoft.com/office/powerpoint/2010/main" val="1111946006"/>
+      </p:ext>
+    </p:extLst>
+  </p:cSld>
+  <p:clrMapOvr>
+    <a:masterClrMapping/>
+  </p:clrMapOvr>
+</p:sld>
+</file>
+
+<file path=ppt/slides/slide130.xml><?xml version="1.0" encoding="utf-8"?>
+<p:sld xmlns:a="http://schemas.openxmlformats.org/drawingml/2006/main" xmlns:r="http://schemas.openxmlformats.org/officeDocument/2006/relationships" xmlns:p="http://schemas.openxmlformats.org/presentationml/2006/main">
+  <p:cSld>
+    <p:spTree>
+      <p:nvGrpSpPr>
+        <p:cNvPr id="1" name=""/>
+        <p:cNvGrpSpPr/>
+        <p:nvPr/>
+      </p:nvGrpSpPr>
+      <p:grpSpPr>
+        <a:xfrm>
+          <a:off x="0" y="0"/>
+          <a:ext cx="0" cy="0"/>
+          <a:chOff x="0" y="0"/>
+          <a:chExt cx="0" cy="0"/>
+        </a:xfrm>
+      </p:grpSpPr>
+      <p:sp>
+        <p:nvSpPr>
+          <p:cNvPr id="2" name="Title 1">
+            <a:extLst>
+              <a:ext uri="{FF2B5EF4-FFF2-40B4-BE49-F238E27FC236}">
+                <a16:creationId xmlns:a16="http://schemas.microsoft.com/office/drawing/2014/main" id="{C929C1F8-D11F-C59A-757F-1E64BD7131BD}"/>
+              </a:ext>
+            </a:extLst>
+          </p:cNvPr>
+          <p:cNvSpPr>
+            <a:spLocks noGrp="1"/>
+          </p:cNvSpPr>
+          <p:nvPr>
+            <p:ph type="title"/>
+          </p:nvPr>
+        </p:nvSpPr>
+        <p:spPr>
+          <a:xfrm>
+            <a:off x="838200" y="365126"/>
+            <a:ext cx="10515600" cy="315912"/>
+          </a:xfrm>
+        </p:spPr>
+        <p:txBody>
+          <a:bodyPr>
+            <a:normAutofit fontScale="90000"/>
+          </a:bodyPr>
+          <a:lstStyle/>
+          <a:p>
+            <a:endParaRPr lang="en-US" dirty="0"/>
+          </a:p>
+        </p:txBody>
+      </p:sp>
+      <p:sp>
+        <p:nvSpPr>
+          <p:cNvPr id="3" name="Content Placeholder 2">
+            <a:extLst>
+              <a:ext uri="{FF2B5EF4-FFF2-40B4-BE49-F238E27FC236}">
+                <a16:creationId xmlns:a16="http://schemas.microsoft.com/office/drawing/2014/main" id="{C0A507A6-127B-B2D7-CAFA-7161F393E189}"/>
+              </a:ext>
+            </a:extLst>
+          </p:cNvPr>
+          <p:cNvSpPr>
+            <a:spLocks noGrp="1"/>
+          </p:cNvSpPr>
+          <p:nvPr>
+            <p:ph idx="1"/>
+          </p:nvPr>
+        </p:nvSpPr>
+        <p:spPr>
+          <a:xfrm>
+            <a:off x="838200" y="867266"/>
+            <a:ext cx="10515600" cy="5309697"/>
+          </a:xfrm>
+        </p:spPr>
+        <p:txBody>
+          <a:bodyPr>
+            <a:normAutofit fontScale="92500" lnSpcReduction="20000"/>
+          </a:bodyPr>
+          <a:lstStyle/>
+          <a:p>
+            <a:r>
+              <a:rPr lang="en-US" dirty="0"/>
+              <a:t>Invoking Function as a method -</a:t>
+            </a:r>
+          </a:p>
+          <a:p>
+            <a:r>
+              <a:rPr lang="en-US" dirty="0"/>
+              <a:t>When a Function is present inside an object with key as some value let's say add and its value as our function then this will be the object that function is a property of. const calculate = {</a:t>
+            </a:r>
+          </a:p>
+          <a:p>
+            <a:r>
+              <a:rPr lang="en-US" dirty="0"/>
+              <a:t>  a: 2,</a:t>
+            </a:r>
+          </a:p>
+          <a:p>
+            <a:r>
+              <a:rPr lang="en-US" dirty="0"/>
+              <a:t>  b: 3,</a:t>
+            </a:r>
+          </a:p>
+          <a:p>
+            <a:r>
+              <a:rPr lang="en-US" dirty="0"/>
+              <a:t>  sum: function() {</a:t>
+            </a:r>
+          </a:p>
+          <a:p>
+            <a:r>
+              <a:rPr lang="en-US" dirty="0"/>
+              <a:t>    console.log(this);</a:t>
+            </a:r>
+          </a:p>
+          <a:p>
+            <a:r>
+              <a:rPr lang="en-US" dirty="0"/>
+              <a:t>    return </a:t>
+            </a:r>
+            <a:r>
+              <a:rPr lang="en-US" dirty="0" err="1"/>
+              <a:t>this.a</a:t>
+            </a:r>
+            <a:r>
+              <a:rPr lang="en-US" dirty="0"/>
+              <a:t> + </a:t>
+            </a:r>
+            <a:r>
+              <a:rPr lang="en-US" dirty="0" err="1"/>
+              <a:t>this.b</a:t>
+            </a:r>
+            <a:r>
+              <a:rPr lang="en-US" dirty="0"/>
+              <a:t>;</a:t>
+            </a:r>
+          </a:p>
+          <a:p>
+            <a:r>
+              <a:rPr lang="en-US" dirty="0"/>
+              <a:t>  }</a:t>
+            </a:r>
+          </a:p>
+          <a:p>
+            <a:r>
+              <a:rPr lang="en-US" dirty="0"/>
+              <a:t>}</a:t>
+            </a:r>
+          </a:p>
+          <a:p>
+            <a:r>
+              <a:rPr lang="en-US" dirty="0"/>
+              <a:t>const </a:t>
+            </a:r>
+            <a:r>
+              <a:rPr lang="en-US" dirty="0" err="1"/>
+              <a:t>ans</a:t>
+            </a:r>
+            <a:r>
+              <a:rPr lang="en-US" dirty="0"/>
+              <a:t> = </a:t>
+            </a:r>
+            <a:r>
+              <a:rPr lang="en-US" dirty="0" err="1"/>
+              <a:t>calculate.sum</a:t>
+            </a:r>
+            <a:r>
+              <a:rPr lang="en-US" dirty="0"/>
+              <a:t>() // { a: 2, b: 3, sum: ƒ}</a:t>
+            </a:r>
+          </a:p>
+          <a:p>
+            <a:r>
+              <a:rPr lang="en-US" dirty="0"/>
+              <a:t>console.log(</a:t>
+            </a:r>
+            <a:r>
+              <a:rPr lang="en-US" dirty="0" err="1"/>
+              <a:t>ans</a:t>
+            </a:r>
+            <a:r>
+              <a:rPr lang="en-US" dirty="0"/>
+              <a:t>)  // 5</a:t>
+            </a:r>
+          </a:p>
+          <a:p>
+            <a:endParaRPr lang="en-US" dirty="0"/>
+          </a:p>
+        </p:txBody>
+      </p:sp>
+    </p:spTree>
+    <p:extLst>
+      <p:ext uri="{BB962C8B-B14F-4D97-AF65-F5344CB8AC3E}">
+        <p14:creationId xmlns:p14="http://schemas.microsoft.com/office/powerpoint/2010/main" val="3388047928"/>
       </p:ext>
     </p:extLst>
   </p:cSld>
